--- a/小学期C++课程设计/《笑熬浆糊》游戏设计报告.pptx
+++ b/小学期C++课程设计/《笑熬浆糊》游戏设计报告.pptx
@@ -13,7 +13,10 @@
     <p:sldId id="261" r:id="rId7"/>
     <p:sldId id="262" r:id="rId8"/>
     <p:sldId id="263" r:id="rId9"/>
-    <p:sldId id="264" r:id="rId10"/>
+    <p:sldId id="265" r:id="rId10"/>
+    <p:sldId id="267" r:id="rId11"/>
+    <p:sldId id="266" r:id="rId12"/>
+    <p:sldId id="264" r:id="rId13"/>
   </p:sldIdLst>
   <p:sldSz cx="12192000" cy="6858000"/>
   <p:notesSz cx="6858000" cy="9144000"/>
@@ -112,6 +115,11 @@
       </a:defRPr>
     </a:lvl9pPr>
   </p:defaultTextStyle>
+  <p:extLst>
+    <p:ext uri="{EFAFB233-063F-42B5-8137-9DF3F51BA10A}">
+      <p15:sldGuideLst xmlns:p15="http://schemas.microsoft.com/office/powerpoint/2012/main"/>
+    </p:ext>
+  </p:extLst>
 </p:presentation>
 </file>
 
@@ -303,7 +311,7 @@
           <a:p>
             <a:fld id="{CA07E67D-A875-46AD-8FD6-06EF47CFF1F4}" type="datetimeFigureOut">
               <a:rPr lang="zh-CN" altLang="en-US" smtClean="0"/>
-              <a:t>2017/9/13</a:t>
+              <a:t>2017/9/14</a:t>
             </a:fld>
             <a:endParaRPr lang="zh-CN" altLang="en-US"/>
           </a:p>
@@ -641,7 +649,7 @@
           <a:p>
             <a:fld id="{CA07E67D-A875-46AD-8FD6-06EF47CFF1F4}" type="datetimeFigureOut">
               <a:rPr lang="zh-CN" altLang="en-US" smtClean="0"/>
-              <a:t>2017/9/13</a:t>
+              <a:t>2017/9/14</a:t>
             </a:fld>
             <a:endParaRPr lang="zh-CN" altLang="en-US"/>
           </a:p>
@@ -1042,7 +1050,7 @@
           <a:p>
             <a:fld id="{CA07E67D-A875-46AD-8FD6-06EF47CFF1F4}" type="datetimeFigureOut">
               <a:rPr lang="zh-CN" altLang="en-US" smtClean="0"/>
-              <a:t>2017/9/13</a:t>
+              <a:t>2017/9/14</a:t>
             </a:fld>
             <a:endParaRPr lang="zh-CN" altLang="en-US"/>
           </a:p>
@@ -1378,7 +1386,7 @@
           <a:p>
             <a:fld id="{CA07E67D-A875-46AD-8FD6-06EF47CFF1F4}" type="datetimeFigureOut">
               <a:rPr lang="zh-CN" altLang="en-US" smtClean="0"/>
-              <a:t>2017/9/13</a:t>
+              <a:t>2017/9/14</a:t>
             </a:fld>
             <a:endParaRPr lang="zh-CN" altLang="en-US"/>
           </a:p>
@@ -1698,7 +1706,7 @@
           <a:p>
             <a:fld id="{CA07E67D-A875-46AD-8FD6-06EF47CFF1F4}" type="datetimeFigureOut">
               <a:rPr lang="zh-CN" altLang="en-US" smtClean="0"/>
-              <a:t>2017/9/13</a:t>
+              <a:t>2017/9/14</a:t>
             </a:fld>
             <a:endParaRPr lang="zh-CN" altLang="en-US"/>
           </a:p>
@@ -2094,7 +2102,7 @@
           <a:p>
             <a:fld id="{CA07E67D-A875-46AD-8FD6-06EF47CFF1F4}" type="datetimeFigureOut">
               <a:rPr lang="zh-CN" altLang="en-US" smtClean="0"/>
-              <a:t>2017/9/13</a:t>
+              <a:t>2017/9/14</a:t>
             </a:fld>
             <a:endParaRPr lang="zh-CN" altLang="en-US"/>
           </a:p>
@@ -2351,7 +2359,7 @@
           <a:p>
             <a:fld id="{CA07E67D-A875-46AD-8FD6-06EF47CFF1F4}" type="datetimeFigureOut">
               <a:rPr lang="zh-CN" altLang="en-US" smtClean="0"/>
-              <a:t>2017/9/13</a:t>
+              <a:t>2017/9/14</a:t>
             </a:fld>
             <a:endParaRPr lang="zh-CN" altLang="en-US"/>
           </a:p>
@@ -2613,7 +2621,7 @@
           <a:p>
             <a:fld id="{CA07E67D-A875-46AD-8FD6-06EF47CFF1F4}" type="datetimeFigureOut">
               <a:rPr lang="zh-CN" altLang="en-US" smtClean="0"/>
-              <a:t>2017/9/13</a:t>
+              <a:t>2017/9/14</a:t>
             </a:fld>
             <a:endParaRPr lang="zh-CN" altLang="en-US"/>
           </a:p>
@@ -2875,7 +2883,7 @@
           <a:p>
             <a:fld id="{CA07E67D-A875-46AD-8FD6-06EF47CFF1F4}" type="datetimeFigureOut">
               <a:rPr lang="zh-CN" altLang="en-US" smtClean="0"/>
-              <a:t>2017/9/13</a:t>
+              <a:t>2017/9/14</a:t>
             </a:fld>
             <a:endParaRPr lang="zh-CN" altLang="en-US"/>
           </a:p>
@@ -3204,7 +3212,7 @@
           <a:p>
             <a:fld id="{CA07E67D-A875-46AD-8FD6-06EF47CFF1F4}" type="datetimeFigureOut">
               <a:rPr lang="zh-CN" altLang="en-US" smtClean="0"/>
-              <a:t>2017/9/13</a:t>
+              <a:t>2017/9/14</a:t>
             </a:fld>
             <a:endParaRPr lang="zh-CN" altLang="en-US"/>
           </a:p>
@@ -3527,7 +3535,7 @@
           <a:p>
             <a:fld id="{CA07E67D-A875-46AD-8FD6-06EF47CFF1F4}" type="datetimeFigureOut">
               <a:rPr lang="zh-CN" altLang="en-US" smtClean="0"/>
-              <a:t>2017/9/13</a:t>
+              <a:t>2017/9/14</a:t>
             </a:fld>
             <a:endParaRPr lang="zh-CN" altLang="en-US"/>
           </a:p>
@@ -3984,7 +3992,7 @@
           <a:p>
             <a:fld id="{CA07E67D-A875-46AD-8FD6-06EF47CFF1F4}" type="datetimeFigureOut">
               <a:rPr lang="zh-CN" altLang="en-US" smtClean="0"/>
-              <a:t>2017/9/13</a:t>
+              <a:t>2017/9/14</a:t>
             </a:fld>
             <a:endParaRPr lang="zh-CN" altLang="en-US"/>
           </a:p>
@@ -4189,7 +4197,7 @@
           <a:p>
             <a:fld id="{CA07E67D-A875-46AD-8FD6-06EF47CFF1F4}" type="datetimeFigureOut">
               <a:rPr lang="zh-CN" altLang="en-US" smtClean="0"/>
-              <a:t>2017/9/13</a:t>
+              <a:t>2017/9/14</a:t>
             </a:fld>
             <a:endParaRPr lang="zh-CN" altLang="en-US"/>
           </a:p>
@@ -4366,7 +4374,7 @@
           <a:p>
             <a:fld id="{CA07E67D-A875-46AD-8FD6-06EF47CFF1F4}" type="datetimeFigureOut">
               <a:rPr lang="zh-CN" altLang="en-US" smtClean="0"/>
-              <a:t>2017/9/13</a:t>
+              <a:t>2017/9/14</a:t>
             </a:fld>
             <a:endParaRPr lang="zh-CN" altLang="en-US"/>
           </a:p>
@@ -4699,7 +4707,7 @@
           <a:p>
             <a:fld id="{CA07E67D-A875-46AD-8FD6-06EF47CFF1F4}" type="datetimeFigureOut">
               <a:rPr lang="zh-CN" altLang="en-US" smtClean="0"/>
-              <a:t>2017/9/13</a:t>
+              <a:t>2017/9/14</a:t>
             </a:fld>
             <a:endParaRPr lang="zh-CN" altLang="en-US"/>
           </a:p>
@@ -5044,7 +5052,7 @@
           <a:p>
             <a:fld id="{CA07E67D-A875-46AD-8FD6-06EF47CFF1F4}" type="datetimeFigureOut">
               <a:rPr lang="zh-CN" altLang="en-US" smtClean="0"/>
-              <a:t>2017/9/13</a:t>
+              <a:t>2017/9/14</a:t>
             </a:fld>
             <a:endParaRPr lang="zh-CN" altLang="en-US"/>
           </a:p>
@@ -7161,7 +7169,7 @@
           <a:p>
             <a:fld id="{CA07E67D-A875-46AD-8FD6-06EF47CFF1F4}" type="datetimeFigureOut">
               <a:rPr lang="zh-CN" altLang="en-US" smtClean="0"/>
-              <a:t>2017/9/13</a:t>
+              <a:t>2017/9/14</a:t>
             </a:fld>
             <a:endParaRPr lang="zh-CN" altLang="en-US"/>
           </a:p>
@@ -7757,6 +7765,337 @@
 </p:sld>
 </file>
 
+<file path=ppt/slides/slide10.xml><?xml version="1.0" encoding="utf-8"?>
+<p:sld xmlns:a="http://schemas.openxmlformats.org/drawingml/2006/main" xmlns:r="http://schemas.openxmlformats.org/officeDocument/2006/relationships" xmlns:p="http://schemas.openxmlformats.org/presentationml/2006/main">
+  <p:cSld>
+    <p:spTree>
+      <p:nvGrpSpPr>
+        <p:cNvPr id="1" name=""/>
+        <p:cNvGrpSpPr/>
+        <p:nvPr/>
+      </p:nvGrpSpPr>
+      <p:grpSpPr>
+        <a:xfrm>
+          <a:off x="0" y="0"/>
+          <a:ext cx="0" cy="0"/>
+          <a:chOff x="0" y="0"/>
+          <a:chExt cx="0" cy="0"/>
+        </a:xfrm>
+      </p:grpSpPr>
+      <p:sp>
+        <p:nvSpPr>
+          <p:cNvPr id="2" name="标题 1"/>
+          <p:cNvSpPr>
+            <a:spLocks noGrp="1"/>
+          </p:cNvSpPr>
+          <p:nvPr>
+            <p:ph type="title"/>
+          </p:nvPr>
+        </p:nvSpPr>
+        <p:spPr>
+          <a:xfrm>
+            <a:off x="2589212" y="366533"/>
+            <a:ext cx="8911687" cy="792566"/>
+          </a:xfrm>
+        </p:spPr>
+        <p:txBody>
+          <a:bodyPr/>
+          <a:lstStyle/>
+          <a:p>
+            <a:r>
+              <a:rPr lang="en-US" altLang="zh-CN" dirty="0" smtClean="0"/>
+              <a:t>UML</a:t>
+            </a:r>
+            <a:r>
+              <a:rPr lang="zh-CN" altLang="en-US" dirty="0" smtClean="0"/>
+              <a:t>类图</a:t>
+            </a:r>
+            <a:endParaRPr lang="zh-CN" altLang="en-US" dirty="0"/>
+          </a:p>
+        </p:txBody>
+      </p:sp>
+      <p:pic>
+        <p:nvPicPr>
+          <p:cNvPr id="5" name="内容占位符 4"/>
+          <p:cNvPicPr>
+            <a:picLocks noGrp="1" noChangeAspect="1"/>
+          </p:cNvPicPr>
+          <p:nvPr>
+            <p:ph idx="1"/>
+          </p:nvPr>
+        </p:nvPicPr>
+        <p:blipFill>
+          <a:blip r:embed="rId2"/>
+          <a:stretch>
+            <a:fillRect/>
+          </a:stretch>
+        </p:blipFill>
+        <p:spPr>
+          <a:xfrm>
+            <a:off x="5958732" y="2152054"/>
+            <a:ext cx="4159707" cy="3778250"/>
+          </a:xfrm>
+          <a:prstGeom prst="rect">
+            <a:avLst/>
+          </a:prstGeom>
+        </p:spPr>
+      </p:pic>
+      <p:pic>
+        <p:nvPicPr>
+          <p:cNvPr id="6" name="图片 5"/>
+          <p:cNvPicPr>
+            <a:picLocks noChangeAspect="1"/>
+          </p:cNvPicPr>
+          <p:nvPr/>
+        </p:nvPicPr>
+        <p:blipFill>
+          <a:blip r:embed="rId3"/>
+          <a:stretch>
+            <a:fillRect/>
+          </a:stretch>
+        </p:blipFill>
+        <p:spPr>
+          <a:xfrm>
+            <a:off x="1615875" y="1158875"/>
+            <a:ext cx="4342857" cy="4771429"/>
+          </a:xfrm>
+          <a:prstGeom prst="rect">
+            <a:avLst/>
+          </a:prstGeom>
+        </p:spPr>
+      </p:pic>
+    </p:spTree>
+    <p:extLst>
+      <p:ext uri="{BB962C8B-B14F-4D97-AF65-F5344CB8AC3E}">
+        <p14:creationId xmlns:p14="http://schemas.microsoft.com/office/powerpoint/2010/main" val="2606707339"/>
+      </p:ext>
+    </p:extLst>
+  </p:cSld>
+  <p:clrMapOvr>
+    <a:masterClrMapping/>
+  </p:clrMapOvr>
+</p:sld>
+</file>
+
+<file path=ppt/slides/slide11.xml><?xml version="1.0" encoding="utf-8"?>
+<p:sld xmlns:a="http://schemas.openxmlformats.org/drawingml/2006/main" xmlns:r="http://schemas.openxmlformats.org/officeDocument/2006/relationships" xmlns:p="http://schemas.openxmlformats.org/presentationml/2006/main">
+  <p:cSld>
+    <p:spTree>
+      <p:nvGrpSpPr>
+        <p:cNvPr id="1" name=""/>
+        <p:cNvGrpSpPr/>
+        <p:nvPr/>
+      </p:nvGrpSpPr>
+      <p:grpSpPr>
+        <a:xfrm>
+          <a:off x="0" y="0"/>
+          <a:ext cx="0" cy="0"/>
+          <a:chOff x="0" y="0"/>
+          <a:chExt cx="0" cy="0"/>
+        </a:xfrm>
+      </p:grpSpPr>
+      <p:sp>
+        <p:nvSpPr>
+          <p:cNvPr id="2" name="标题 1"/>
+          <p:cNvSpPr>
+            <a:spLocks noGrp="1"/>
+          </p:cNvSpPr>
+          <p:nvPr>
+            <p:ph type="title"/>
+          </p:nvPr>
+        </p:nvSpPr>
+        <p:spPr>
+          <a:xfrm>
+            <a:off x="2592925" y="624110"/>
+            <a:ext cx="8911687" cy="702414"/>
+          </a:xfrm>
+        </p:spPr>
+        <p:txBody>
+          <a:bodyPr/>
+          <a:lstStyle/>
+          <a:p>
+            <a:r>
+              <a:rPr lang="en-US" altLang="zh-CN" dirty="0" smtClean="0"/>
+              <a:t>UML</a:t>
+            </a:r>
+            <a:r>
+              <a:rPr lang="zh-CN" altLang="en-US" dirty="0" smtClean="0"/>
+              <a:t>类图</a:t>
+            </a:r>
+            <a:endParaRPr lang="zh-CN" altLang="en-US" dirty="0"/>
+          </a:p>
+        </p:txBody>
+      </p:sp>
+      <p:pic>
+        <p:nvPicPr>
+          <p:cNvPr id="4" name="内容占位符 3"/>
+          <p:cNvPicPr>
+            <a:picLocks noGrp="1" noChangeAspect="1"/>
+          </p:cNvPicPr>
+          <p:nvPr>
+            <p:ph idx="1"/>
+          </p:nvPr>
+        </p:nvPicPr>
+        <p:blipFill>
+          <a:blip r:embed="rId2"/>
+          <a:stretch>
+            <a:fillRect/>
+          </a:stretch>
+        </p:blipFill>
+        <p:spPr>
+          <a:xfrm>
+            <a:off x="4864373" y="1629767"/>
+            <a:ext cx="4371429" cy="3171429"/>
+          </a:xfrm>
+          <a:prstGeom prst="rect">
+            <a:avLst/>
+          </a:prstGeom>
+        </p:spPr>
+      </p:pic>
+    </p:spTree>
+    <p:extLst>
+      <p:ext uri="{BB962C8B-B14F-4D97-AF65-F5344CB8AC3E}">
+        <p14:creationId xmlns:p14="http://schemas.microsoft.com/office/powerpoint/2010/main" val="135766557"/>
+      </p:ext>
+    </p:extLst>
+  </p:cSld>
+  <p:clrMapOvr>
+    <a:masterClrMapping/>
+  </p:clrMapOvr>
+</p:sld>
+</file>
+
+<file path=ppt/slides/slide12.xml><?xml version="1.0" encoding="utf-8"?>
+<p:sld xmlns:a="http://schemas.openxmlformats.org/drawingml/2006/main" xmlns:r="http://schemas.openxmlformats.org/officeDocument/2006/relationships" xmlns:p="http://schemas.openxmlformats.org/presentationml/2006/main">
+  <p:cSld>
+    <p:spTree>
+      <p:nvGrpSpPr>
+        <p:cNvPr id="1" name=""/>
+        <p:cNvGrpSpPr/>
+        <p:nvPr/>
+      </p:nvGrpSpPr>
+      <p:grpSpPr>
+        <a:xfrm>
+          <a:off x="0" y="0"/>
+          <a:ext cx="0" cy="0"/>
+          <a:chOff x="0" y="0"/>
+          <a:chExt cx="0" cy="0"/>
+        </a:xfrm>
+      </p:grpSpPr>
+      <p:sp>
+        <p:nvSpPr>
+          <p:cNvPr id="2" name="标题 1"/>
+          <p:cNvSpPr>
+            <a:spLocks noGrp="1"/>
+          </p:cNvSpPr>
+          <p:nvPr>
+            <p:ph type="title"/>
+          </p:nvPr>
+        </p:nvSpPr>
+        <p:spPr>
+          <a:xfrm>
+            <a:off x="2592925" y="624110"/>
+            <a:ext cx="8911687" cy="676656"/>
+          </a:xfrm>
+        </p:spPr>
+        <p:txBody>
+          <a:bodyPr>
+            <a:normAutofit fontScale="90000"/>
+          </a:bodyPr>
+          <a:lstStyle/>
+          <a:p>
+            <a:r>
+              <a:rPr lang="zh-CN" altLang="zh-CN" dirty="0"/>
+              <a:t>小组分工</a:t>
+            </a:r>
+            <a:br>
+              <a:rPr lang="zh-CN" altLang="zh-CN" dirty="0"/>
+            </a:br>
+            <a:endParaRPr lang="zh-CN" altLang="en-US" dirty="0"/>
+          </a:p>
+        </p:txBody>
+      </p:sp>
+      <p:sp>
+        <p:nvSpPr>
+          <p:cNvPr id="3" name="内容占位符 2"/>
+          <p:cNvSpPr>
+            <a:spLocks noGrp="1"/>
+          </p:cNvSpPr>
+          <p:nvPr>
+            <p:ph idx="1"/>
+          </p:nvPr>
+        </p:nvSpPr>
+        <p:spPr>
+          <a:xfrm>
+            <a:off x="2589212" y="1476778"/>
+            <a:ext cx="8915400" cy="3777622"/>
+          </a:xfrm>
+        </p:spPr>
+        <p:txBody>
+          <a:bodyPr/>
+          <a:lstStyle/>
+          <a:p>
+            <a:r>
+              <a:rPr lang="zh-CN" altLang="zh-CN" sz="2000" dirty="0"/>
+              <a:t>方政：整体游戏架构的设计，地图、背包、任务类的设计和编写，各部分的整合和修改</a:t>
+            </a:r>
+          </a:p>
+          <a:p>
+            <a:r>
+              <a:rPr lang="zh-CN" altLang="zh-CN" sz="2000" dirty="0"/>
+              <a:t>梁苑：武器装备系统的设计，游戏颜色音效等方面的设计</a:t>
+            </a:r>
+            <a:r>
+              <a:rPr lang="zh-CN" altLang="zh-CN" sz="2000"/>
+              <a:t>和</a:t>
+            </a:r>
+            <a:r>
+              <a:rPr lang="zh-CN" altLang="zh-CN" sz="2000" smtClean="0"/>
+              <a:t>实现</a:t>
+            </a:r>
+            <a:r>
+              <a:rPr lang="zh-CN" altLang="en-US" sz="2000" smtClean="0"/>
+              <a:t>，互测部分对于另一小组的测评</a:t>
+            </a:r>
+            <a:endParaRPr lang="zh-CN" altLang="zh-CN" sz="2000" dirty="0"/>
+          </a:p>
+          <a:p>
+            <a:r>
+              <a:rPr lang="zh-CN" altLang="zh-CN" sz="2000" dirty="0"/>
+              <a:t>梁颖芳：装备、人物类的设计和编写，背包类的补充修改，程序健壮性的测试和强化</a:t>
+            </a:r>
+          </a:p>
+          <a:p>
+            <a:r>
+              <a:rPr lang="zh-CN" altLang="zh-CN" sz="2000" dirty="0"/>
+              <a:t>王湘懿：需求分析，技术文档等报告的书写，剧情大纲的设计和整理，战斗系统、怪物、存档类的设计和编写</a:t>
+            </a:r>
+          </a:p>
+          <a:p>
+            <a:endParaRPr lang="zh-CN" altLang="en-US" dirty="0"/>
+          </a:p>
+        </p:txBody>
+      </p:sp>
+    </p:spTree>
+    <p:extLst>
+      <p:ext uri="{BB962C8B-B14F-4D97-AF65-F5344CB8AC3E}">
+        <p14:creationId xmlns:p14="http://schemas.microsoft.com/office/powerpoint/2010/main" val="2238908002"/>
+      </p:ext>
+    </p:extLst>
+  </p:cSld>
+  <p:clrMapOvr>
+    <a:masterClrMapping/>
+  </p:clrMapOvr>
+  <p:timing>
+    <p:tnLst>
+      <p:par>
+        <p:cTn id="1" dur="indefinite" restart="never" nodeType="tmRoot"/>
+      </p:par>
+    </p:tnLst>
+  </p:timing>
+</p:sld>
+</file>
+
 <file path=ppt/slides/slide2.xml><?xml version="1.0" encoding="utf-8"?>
 <p:sld xmlns:a="http://schemas.openxmlformats.org/drawingml/2006/main" xmlns:r="http://schemas.openxmlformats.org/officeDocument/2006/relationships" xmlns:p="http://schemas.openxmlformats.org/presentationml/2006/main">
   <p:cSld>
@@ -8747,105 +9086,62 @@
         </p:nvSpPr>
         <p:spPr>
           <a:xfrm>
-            <a:off x="2592925" y="624110"/>
-            <a:ext cx="8911687" cy="676656"/>
+            <a:off x="2589212" y="366533"/>
+            <a:ext cx="8911687" cy="792566"/>
           </a:xfrm>
         </p:spPr>
         <p:txBody>
-          <a:bodyPr>
-            <a:normAutofit fontScale="90000"/>
-          </a:bodyPr>
+          <a:bodyPr/>
           <a:lstStyle/>
           <a:p>
             <a:r>
-              <a:rPr lang="zh-CN" altLang="zh-CN" dirty="0"/>
-              <a:t>小组分工</a:t>
-            </a:r>
-            <a:br>
-              <a:rPr lang="zh-CN" altLang="zh-CN" dirty="0"/>
-            </a:br>
+              <a:rPr lang="en-US" altLang="zh-CN" dirty="0" smtClean="0"/>
+              <a:t>UML</a:t>
+            </a:r>
+            <a:r>
+              <a:rPr lang="zh-CN" altLang="en-US" dirty="0" smtClean="0"/>
+              <a:t>类图</a:t>
+            </a:r>
             <a:endParaRPr lang="zh-CN" altLang="en-US" dirty="0"/>
           </a:p>
         </p:txBody>
       </p:sp>
-      <p:sp>
-        <p:nvSpPr>
-          <p:cNvPr id="3" name="内容占位符 2"/>
-          <p:cNvSpPr>
-            <a:spLocks noGrp="1"/>
-          </p:cNvSpPr>
+      <p:pic>
+        <p:nvPicPr>
+          <p:cNvPr id="4" name="内容占位符 3"/>
+          <p:cNvPicPr>
+            <a:picLocks noGrp="1"/>
+          </p:cNvPicPr>
           <p:nvPr>
             <p:ph idx="1"/>
           </p:nvPr>
-        </p:nvSpPr>
+        </p:nvPicPr>
+        <p:blipFill>
+          <a:blip r:embed="rId2"/>
+          <a:stretch>
+            <a:fillRect/>
+          </a:stretch>
+        </p:blipFill>
         <p:spPr>
           <a:xfrm>
-            <a:off x="2589212" y="1476778"/>
-            <a:ext cx="8915400" cy="3777622"/>
+            <a:off x="2704563" y="1158874"/>
+            <a:ext cx="8319751" cy="4623739"/>
           </a:xfrm>
+          <a:prstGeom prst="rect">
+            <a:avLst/>
+          </a:prstGeom>
         </p:spPr>
-        <p:txBody>
-          <a:bodyPr/>
-          <a:lstStyle/>
-          <a:p>
-            <a:r>
-              <a:rPr lang="zh-CN" altLang="zh-CN" sz="2000" dirty="0"/>
-              <a:t>方政：整体游戏架构的设计，地图、背包、任务类的设计和编写，各部分的整合和修改</a:t>
-            </a:r>
-          </a:p>
-          <a:p>
-            <a:r>
-              <a:rPr lang="zh-CN" altLang="zh-CN" sz="2000" dirty="0"/>
-              <a:t>梁苑：武器装备系统的设计，游戏颜色音效等方面的设计</a:t>
-            </a:r>
-            <a:r>
-              <a:rPr lang="zh-CN" altLang="zh-CN" sz="2000"/>
-              <a:t>和</a:t>
-            </a:r>
-            <a:r>
-              <a:rPr lang="zh-CN" altLang="zh-CN" sz="2000" smtClean="0"/>
-              <a:t>实现</a:t>
-            </a:r>
-            <a:r>
-              <a:rPr lang="zh-CN" altLang="en-US" sz="2000" smtClean="0"/>
-              <a:t>，互测部分对于另一小组的测评</a:t>
-            </a:r>
-            <a:endParaRPr lang="zh-CN" altLang="zh-CN" sz="2000" dirty="0"/>
-          </a:p>
-          <a:p>
-            <a:r>
-              <a:rPr lang="zh-CN" altLang="zh-CN" sz="2000" dirty="0"/>
-              <a:t>梁颖芳：装备、人物类的设计和编写，背包类的补充修改，程序健壮性的测试和强化</a:t>
-            </a:r>
-          </a:p>
-          <a:p>
-            <a:r>
-              <a:rPr lang="zh-CN" altLang="zh-CN" sz="2000" dirty="0"/>
-              <a:t>王湘懿：需求分析，技术文档等报告的书写，剧情大纲的设计和整理，战斗系统、怪物、存档类的设计和编写</a:t>
-            </a:r>
-          </a:p>
-          <a:p>
-            <a:endParaRPr lang="zh-CN" altLang="en-US" dirty="0"/>
-          </a:p>
-        </p:txBody>
-      </p:sp>
+      </p:pic>
     </p:spTree>
     <p:extLst>
       <p:ext uri="{BB962C8B-B14F-4D97-AF65-F5344CB8AC3E}">
-        <p14:creationId xmlns:p14="http://schemas.microsoft.com/office/powerpoint/2010/main" val="2238908002"/>
+        <p14:creationId xmlns:p14="http://schemas.microsoft.com/office/powerpoint/2010/main" val="3090305886"/>
       </p:ext>
     </p:extLst>
   </p:cSld>
   <p:clrMapOvr>
     <a:masterClrMapping/>
   </p:clrMapOvr>
-  <p:timing>
-    <p:tnLst>
-      <p:par>
-        <p:cTn id="1" dur="indefinite" restart="never" nodeType="tmRoot"/>
-      </p:par>
-    </p:tnLst>
-  </p:timing>
 </p:sld>
 </file>
 
